--- a/Lesson on AI/AI/Computers.pptx
+++ b/Lesson on AI/AI/Computers.pptx
@@ -108,6 +108,11 @@
       </a:defRPr>
     </a:lvl9pPr>
   </p:defaultTextStyle>
+  <p:extLst>
+    <p:ext uri="{EFAFB233-063F-42B5-8137-9DF3F51BA10A}">
+      <p15:sldGuideLst xmlns:p15="http://schemas.microsoft.com/office/powerpoint/2012/main"/>
+    </p:ext>
+  </p:extLst>
 </p:presentation>
 </file>
 
@@ -4328,4 +4333,24 @@
     </a:ext>
   </a:extLst>
 </a:theme>
+</file>
+
+<file path=ppt/webextensions/taskpanes.xml><?xml version="1.0" encoding="utf-8"?>
+<wetp:taskpanes xmlns:wetp="http://schemas.microsoft.com/office/webextensions/taskpanes/2010/11">
+  <wetp:taskpane dockstate="right" visibility="0" width="438" row="0">
+    <wetp:webextensionref xmlns:r="http://schemas.openxmlformats.org/officeDocument/2006/relationships" r:id="rId1"/>
+  </wetp:taskpane>
+</wetp:taskpanes>
+</file>
+
+<file path=ppt/webextensions/webextension1.xml><?xml version="1.0" encoding="utf-8"?>
+<we:webextension xmlns:we="http://schemas.microsoft.com/office/webextensions/webextension/2010/11" id="{4D43256E-5618-4702-9A20-CDA2730AD27C}">
+  <we:reference id="wa200005566" version="3.0.0.2" store="en-US" storeType="OMEX"/>
+  <we:alternateReferences>
+    <we:reference id="wa200005566" version="3.0.0.2" store="wa200005566" storeType="OMEX"/>
+  </we:alternateReferences>
+  <we:properties/>
+  <we:bindings/>
+  <we:snapshot xmlns:r="http://schemas.openxmlformats.org/officeDocument/2006/relationships"/>
+</we:webextension>
 </file>